--- a/ComputerVision-KevinDuraj.pptx
+++ b/ComputerVision-KevinDuraj.pptx
@@ -9,6 +9,12 @@
     <p:sldId id="257" r:id="rId3"/>
     <p:sldId id="258" r:id="rId4"/>
     <p:sldId id="259" r:id="rId5"/>
+    <p:sldId id="260" r:id="rId6"/>
+    <p:sldId id="261" r:id="rId7"/>
+    <p:sldId id="262" r:id="rId8"/>
+    <p:sldId id="263" r:id="rId9"/>
+    <p:sldId id="265" r:id="rId10"/>
+    <p:sldId id="266" r:id="rId11"/>
   </p:sldIdLst>
   <p:sldSz cx="9144000" cy="6858000" type="screen4x3"/>
   <p:notesSz cx="6858000" cy="9144000"/>
@@ -291,7 +297,7 @@
           <a:p>
             <a:fld id="{6BFECD78-3C8E-49F2-8FAB-59489D168ABB}" type="datetimeFigureOut">
               <a:rPr lang="en-US" smtClean="0"/>
-              <a:t>5/11/14</a:t>
+              <a:t>5/12/14</a:t>
             </a:fld>
             <a:endParaRPr lang="en-US"/>
           </a:p>
@@ -461,7 +467,7 @@
           <a:p>
             <a:fld id="{6BFECD78-3C8E-49F2-8FAB-59489D168ABB}" type="datetimeFigureOut">
               <a:rPr lang="en-US" smtClean="0"/>
-              <a:t>5/11/14</a:t>
+              <a:t>5/12/14</a:t>
             </a:fld>
             <a:endParaRPr lang="en-US"/>
           </a:p>
@@ -641,7 +647,7 @@
           <a:p>
             <a:fld id="{6BFECD78-3C8E-49F2-8FAB-59489D168ABB}" type="datetimeFigureOut">
               <a:rPr lang="en-US" smtClean="0"/>
-              <a:t>5/11/14</a:t>
+              <a:t>5/12/14</a:t>
             </a:fld>
             <a:endParaRPr lang="en-US"/>
           </a:p>
@@ -811,7 +817,7 @@
           <a:p>
             <a:fld id="{6BFECD78-3C8E-49F2-8FAB-59489D168ABB}" type="datetimeFigureOut">
               <a:rPr lang="en-US" smtClean="0"/>
-              <a:t>5/11/14</a:t>
+              <a:t>5/12/14</a:t>
             </a:fld>
             <a:endParaRPr lang="en-US"/>
           </a:p>
@@ -1057,7 +1063,7 @@
           <a:p>
             <a:fld id="{6BFECD78-3C8E-49F2-8FAB-59489D168ABB}" type="datetimeFigureOut">
               <a:rPr lang="en-US" smtClean="0"/>
-              <a:t>5/11/14</a:t>
+              <a:t>5/12/14</a:t>
             </a:fld>
             <a:endParaRPr lang="en-US"/>
           </a:p>
@@ -1345,7 +1351,7 @@
           <a:p>
             <a:fld id="{6BFECD78-3C8E-49F2-8FAB-59489D168ABB}" type="datetimeFigureOut">
               <a:rPr lang="en-US" smtClean="0"/>
-              <a:t>5/11/14</a:t>
+              <a:t>5/12/14</a:t>
             </a:fld>
             <a:endParaRPr lang="en-US"/>
           </a:p>
@@ -1767,7 +1773,7 @@
           <a:p>
             <a:fld id="{6BFECD78-3C8E-49F2-8FAB-59489D168ABB}" type="datetimeFigureOut">
               <a:rPr lang="en-US" smtClean="0"/>
-              <a:t>5/11/14</a:t>
+              <a:t>5/12/14</a:t>
             </a:fld>
             <a:endParaRPr lang="en-US"/>
           </a:p>
@@ -1885,7 +1891,7 @@
           <a:p>
             <a:fld id="{6BFECD78-3C8E-49F2-8FAB-59489D168ABB}" type="datetimeFigureOut">
               <a:rPr lang="en-US" smtClean="0"/>
-              <a:t>5/11/14</a:t>
+              <a:t>5/12/14</a:t>
             </a:fld>
             <a:endParaRPr lang="en-US"/>
           </a:p>
@@ -1980,7 +1986,7 @@
           <a:p>
             <a:fld id="{6BFECD78-3C8E-49F2-8FAB-59489D168ABB}" type="datetimeFigureOut">
               <a:rPr lang="en-US" smtClean="0"/>
-              <a:t>5/11/14</a:t>
+              <a:t>5/12/14</a:t>
             </a:fld>
             <a:endParaRPr lang="en-US"/>
           </a:p>
@@ -2257,7 +2263,7 @@
           <a:p>
             <a:fld id="{6BFECD78-3C8E-49F2-8FAB-59489D168ABB}" type="datetimeFigureOut">
               <a:rPr lang="en-US" smtClean="0"/>
-              <a:t>5/11/14</a:t>
+              <a:t>5/12/14</a:t>
             </a:fld>
             <a:endParaRPr lang="en-US"/>
           </a:p>
@@ -2514,7 +2520,7 @@
           <a:p>
             <a:fld id="{6BFECD78-3C8E-49F2-8FAB-59489D168ABB}" type="datetimeFigureOut">
               <a:rPr lang="en-US" smtClean="0"/>
-              <a:t>5/11/14</a:t>
+              <a:t>5/12/14</a:t>
             </a:fld>
             <a:endParaRPr lang="en-US"/>
           </a:p>
@@ -2727,7 +2733,7 @@
           <a:p>
             <a:fld id="{6BFECD78-3C8E-49F2-8FAB-59489D168ABB}" type="datetimeFigureOut">
               <a:rPr lang="en-US" smtClean="0"/>
-              <a:t>5/11/14</a:t>
+              <a:t>5/12/14</a:t>
             </a:fld>
             <a:endParaRPr lang="en-US"/>
           </a:p>
@@ -3178,6 +3184,96 @@
 </p:sld>
 </file>
 
+<file path=ppt/slides/slide10.xml><?xml version="1.0" encoding="utf-8"?>
+<p:sld xmlns:a="http://schemas.openxmlformats.org/drawingml/2006/main" xmlns:r="http://schemas.openxmlformats.org/officeDocument/2006/relationships" xmlns:p="http://schemas.openxmlformats.org/presentationml/2006/main">
+  <p:cSld>
+    <p:spTree>
+      <p:nvGrpSpPr>
+        <p:cNvPr id="1" name=""/>
+        <p:cNvGrpSpPr/>
+        <p:nvPr/>
+      </p:nvGrpSpPr>
+      <p:grpSpPr>
+        <a:xfrm>
+          <a:off x="0" y="0"/>
+          <a:ext cx="0" cy="0"/>
+          <a:chOff x="0" y="0"/>
+          <a:chExt cx="0" cy="0"/>
+        </a:xfrm>
+      </p:grpSpPr>
+      <p:pic>
+        <p:nvPicPr>
+          <p:cNvPr id="3" name="Content Placeholder 2" descr="house.png"/>
+          <p:cNvPicPr>
+            <a:picLocks noGrp="1" noChangeAspect="1"/>
+          </p:cNvPicPr>
+          <p:nvPr>
+            <p:ph idx="1"/>
+          </p:nvPr>
+        </p:nvPicPr>
+        <p:blipFill>
+          <a:blip r:embed="rId2">
+            <a:extLst>
+              <a:ext uri="{28A0092B-C50C-407E-A947-70E740481C1C}">
+                <a14:useLocalDpi xmlns:a14="http://schemas.microsoft.com/office/drawing/2010/main" val="0"/>
+              </a:ext>
+            </a:extLst>
+          </a:blip>
+          <a:srcRect l="-25594" r="-25594"/>
+          <a:stretch>
+            <a:fillRect/>
+          </a:stretch>
+        </p:blipFill>
+        <p:spPr>
+          <a:xfrm>
+            <a:off x="-766414" y="314370"/>
+            <a:ext cx="10773420" cy="6377661"/>
+          </a:xfrm>
+        </p:spPr>
+      </p:pic>
+      <p:sp>
+        <p:nvSpPr>
+          <p:cNvPr id="4" name="TextBox 3"/>
+          <p:cNvSpPr txBox="1"/>
+          <p:nvPr/>
+        </p:nvSpPr>
+        <p:spPr>
+          <a:xfrm>
+            <a:off x="555642" y="521650"/>
+            <a:ext cx="1186104" cy="369332"/>
+          </a:xfrm>
+          <a:prstGeom prst="rect">
+            <a:avLst/>
+          </a:prstGeom>
+          <a:noFill/>
+        </p:spPr>
+        <p:txBody>
+          <a:bodyPr wrap="none" rtlCol="0">
+            <a:spAutoFit/>
+          </a:bodyPr>
+          <a:lstStyle/>
+          <a:p>
+            <a:r>
+              <a:rPr lang="en-US" dirty="0" err="1" smtClean="0"/>
+              <a:t>House.png</a:t>
+            </a:r>
+            <a:endParaRPr lang="en-US" dirty="0"/>
+          </a:p>
+        </p:txBody>
+      </p:sp>
+    </p:spTree>
+    <p:extLst>
+      <p:ext uri="{BB962C8B-B14F-4D97-AF65-F5344CB8AC3E}">
+        <p14:creationId xmlns:p14="http://schemas.microsoft.com/office/powerpoint/2010/main" val="3816684068"/>
+      </p:ext>
+    </p:extLst>
+  </p:cSld>
+  <p:clrMapOvr>
+    <a:masterClrMapping/>
+  </p:clrMapOvr>
+</p:sld>
+</file>
+
 <file path=ppt/slides/slide2.xml><?xml version="1.0" encoding="utf-8"?>
 <p:sld xmlns:a="http://schemas.openxmlformats.org/drawingml/2006/main" xmlns:r="http://schemas.openxmlformats.org/officeDocument/2006/relationships" xmlns:p="http://schemas.openxmlformats.org/presentationml/2006/main">
   <p:cSld>
@@ -3418,7 +3514,11 @@
             </a:r>
             <a:r>
               <a:rPr lang="en-US" dirty="0" smtClean="0"/>
-              <a:t> image into black and white colors only for further processing.</a:t>
+              <a:t> </a:t>
+            </a:r>
+            <a:r>
+              <a:rPr lang="en-US" dirty="0" smtClean="0"/>
+              <a:t>image into black and white colors only for further processing.</a:t>
             </a:r>
             <a:endParaRPr lang="en-US" dirty="0"/>
           </a:p>
@@ -3464,7 +3564,12 @@
             <p:ph type="title"/>
           </p:nvPr>
         </p:nvSpPr>
-        <p:spPr/>
+        <p:spPr>
+          <a:xfrm>
+            <a:off x="457200" y="274638"/>
+            <a:ext cx="8229600" cy="780003"/>
+          </a:xfrm>
+        </p:spPr>
         <p:txBody>
           <a:bodyPr/>
           <a:lstStyle/>
@@ -3487,29 +3592,585 @@
             <p:ph idx="1"/>
           </p:nvPr>
         </p:nvSpPr>
-        <p:spPr/>
+        <p:spPr>
+          <a:xfrm>
+            <a:off x="457200" y="1213404"/>
+            <a:ext cx="8229600" cy="4912760"/>
+          </a:xfrm>
+        </p:spPr>
         <p:txBody>
           <a:bodyPr/>
           <a:lstStyle/>
           <a:p>
             <a:r>
               <a:rPr lang="en-US" dirty="0" smtClean="0"/>
-              <a:t>Detect </a:t>
-            </a:r>
-            <a:r>
-              <a:rPr lang="en-US" smtClean="0"/>
-              <a:t>Connected Components</a:t>
-            </a:r>
-          </a:p>
-          <a:p>
-            <a:endParaRPr lang="en-US"/>
-          </a:p>
-        </p:txBody>
-      </p:sp>
+              <a:t>Detect Connected </a:t>
+            </a:r>
+            <a:r>
+              <a:rPr lang="en-US" dirty="0" smtClean="0"/>
+              <a:t>Components Regions</a:t>
+            </a:r>
+          </a:p>
+          <a:p>
+            <a:endParaRPr lang="en-US" dirty="0" smtClean="0"/>
+          </a:p>
+          <a:p>
+            <a:endParaRPr lang="en-US" dirty="0"/>
+          </a:p>
+        </p:txBody>
+      </p:sp>
+      <p:pic>
+        <p:nvPicPr>
+          <p:cNvPr id="4" name="Picture 3" descr="qrcode4-1.png"/>
+          <p:cNvPicPr>
+            <a:picLocks noChangeAspect="1"/>
+          </p:cNvPicPr>
+          <p:nvPr/>
+        </p:nvPicPr>
+        <p:blipFill>
+          <a:blip r:embed="rId2">
+            <a:extLst>
+              <a:ext uri="{28A0092B-C50C-407E-A947-70E740481C1C}">
+                <a14:useLocalDpi xmlns:a14="http://schemas.microsoft.com/office/drawing/2010/main" val="0"/>
+              </a:ext>
+            </a:extLst>
+          </a:blip>
+          <a:stretch>
+            <a:fillRect/>
+          </a:stretch>
+        </p:blipFill>
+        <p:spPr>
+          <a:xfrm>
+            <a:off x="4707737" y="2315568"/>
+            <a:ext cx="3979063" cy="3979063"/>
+          </a:xfrm>
+          <a:prstGeom prst="rect">
+            <a:avLst/>
+          </a:prstGeom>
+        </p:spPr>
+      </p:pic>
+      <p:pic>
+        <p:nvPicPr>
+          <p:cNvPr id="5" name="Picture 4" descr="qrcode2.png"/>
+          <p:cNvPicPr>
+            <a:picLocks noChangeAspect="1"/>
+          </p:cNvPicPr>
+          <p:nvPr/>
+        </p:nvPicPr>
+        <p:blipFill>
+          <a:blip r:embed="rId3">
+            <a:extLst>
+              <a:ext uri="{28A0092B-C50C-407E-A947-70E740481C1C}">
+                <a14:useLocalDpi xmlns:a14="http://schemas.microsoft.com/office/drawing/2010/main" val="0"/>
+              </a:ext>
+            </a:extLst>
+          </a:blip>
+          <a:stretch>
+            <a:fillRect/>
+          </a:stretch>
+        </p:blipFill>
+        <p:spPr>
+          <a:xfrm>
+            <a:off x="457200" y="2315568"/>
+            <a:ext cx="3979063" cy="3979063"/>
+          </a:xfrm>
+          <a:prstGeom prst="rect">
+            <a:avLst/>
+          </a:prstGeom>
+        </p:spPr>
+      </p:pic>
     </p:spTree>
     <p:extLst>
       <p:ext uri="{BB962C8B-B14F-4D97-AF65-F5344CB8AC3E}">
         <p14:creationId xmlns:p14="http://schemas.microsoft.com/office/powerpoint/2010/main" val="3308843715"/>
+      </p:ext>
+    </p:extLst>
+  </p:cSld>
+  <p:clrMapOvr>
+    <a:masterClrMapping/>
+  </p:clrMapOvr>
+</p:sld>
+</file>
+
+<file path=ppt/slides/slide5.xml><?xml version="1.0" encoding="utf-8"?>
+<p:sld xmlns:a="http://schemas.openxmlformats.org/drawingml/2006/main" xmlns:r="http://schemas.openxmlformats.org/officeDocument/2006/relationships" xmlns:p="http://schemas.openxmlformats.org/presentationml/2006/main">
+  <p:cSld>
+    <p:spTree>
+      <p:nvGrpSpPr>
+        <p:cNvPr id="1" name=""/>
+        <p:cNvGrpSpPr/>
+        <p:nvPr/>
+      </p:nvGrpSpPr>
+      <p:grpSpPr>
+        <a:xfrm>
+          <a:off x="0" y="0"/>
+          <a:ext cx="0" cy="0"/>
+          <a:chOff x="0" y="0"/>
+          <a:chExt cx="0" cy="0"/>
+        </a:xfrm>
+      </p:grpSpPr>
+      <p:sp>
+        <p:nvSpPr>
+          <p:cNvPr id="2" name="Title 1"/>
+          <p:cNvSpPr>
+            <a:spLocks noGrp="1"/>
+          </p:cNvSpPr>
+          <p:nvPr>
+            <p:ph type="title"/>
+          </p:nvPr>
+        </p:nvSpPr>
+        <p:spPr>
+          <a:xfrm>
+            <a:off x="457200" y="274638"/>
+            <a:ext cx="8229600" cy="745982"/>
+          </a:xfrm>
+        </p:spPr>
+        <p:txBody>
+          <a:bodyPr>
+            <a:normAutofit fontScale="90000"/>
+          </a:bodyPr>
+          <a:lstStyle/>
+          <a:p>
+            <a:r>
+              <a:rPr lang="en-US" dirty="0" smtClean="0"/>
+              <a:t>Hit-And-Miss Transform</a:t>
+            </a:r>
+            <a:endParaRPr lang="en-US" dirty="0"/>
+          </a:p>
+        </p:txBody>
+      </p:sp>
+      <p:sp>
+        <p:nvSpPr>
+          <p:cNvPr id="3" name="Content Placeholder 2"/>
+          <p:cNvSpPr>
+            <a:spLocks noGrp="1"/>
+          </p:cNvSpPr>
+          <p:nvPr>
+            <p:ph idx="1"/>
+          </p:nvPr>
+        </p:nvSpPr>
+        <p:spPr/>
+        <p:txBody>
+          <a:bodyPr/>
+          <a:lstStyle/>
+          <a:p>
+            <a:r>
+              <a:rPr lang="en-US" dirty="0"/>
+              <a:t>The hit-and-miss transform (HMT) is a natural operation to </a:t>
+            </a:r>
+            <a:r>
+              <a:rPr lang="en-US" dirty="0" smtClean="0"/>
+              <a:t>select out</a:t>
+            </a:r>
+            <a:r>
+              <a:rPr lang="en-US" dirty="0"/>
+              <a:t> </a:t>
+            </a:r>
+            <a:r>
+              <a:rPr lang="en-US" dirty="0" smtClean="0"/>
+              <a:t>pixels </a:t>
+            </a:r>
+            <a:r>
+              <a:rPr lang="en-US" dirty="0"/>
+              <a:t>that have certain </a:t>
+            </a:r>
+            <a:r>
+              <a:rPr lang="en-US" dirty="0" smtClean="0"/>
+              <a:t>geometric properties </a:t>
+            </a:r>
+            <a:r>
+              <a:rPr lang="en-US" dirty="0"/>
+              <a:t>such as corner points, isolated points, boundary points, etc. In addition, the HMT </a:t>
+            </a:r>
+            <a:r>
+              <a:rPr lang="en-US" dirty="0" smtClean="0"/>
+              <a:t>performs template </a:t>
+            </a:r>
+            <a:r>
+              <a:rPr lang="en-US" dirty="0"/>
+              <a:t>matching, thinning, thickening, and centering.</a:t>
+            </a:r>
+          </a:p>
+          <a:p>
+            <a:endParaRPr lang="en-US" dirty="0"/>
+          </a:p>
+        </p:txBody>
+      </p:sp>
+    </p:spTree>
+    <p:extLst>
+      <p:ext uri="{BB962C8B-B14F-4D97-AF65-F5344CB8AC3E}">
+        <p14:creationId xmlns:p14="http://schemas.microsoft.com/office/powerpoint/2010/main" val="3450310433"/>
+      </p:ext>
+    </p:extLst>
+  </p:cSld>
+  <p:clrMapOvr>
+    <a:masterClrMapping/>
+  </p:clrMapOvr>
+</p:sld>
+</file>
+
+<file path=ppt/slides/slide6.xml><?xml version="1.0" encoding="utf-8"?>
+<p:sld xmlns:a="http://schemas.openxmlformats.org/drawingml/2006/main" xmlns:r="http://schemas.openxmlformats.org/officeDocument/2006/relationships" xmlns:p="http://schemas.openxmlformats.org/presentationml/2006/main">
+  <p:cSld>
+    <p:spTree>
+      <p:nvGrpSpPr>
+        <p:cNvPr id="1" name=""/>
+        <p:cNvGrpSpPr/>
+        <p:nvPr/>
+      </p:nvGrpSpPr>
+      <p:grpSpPr>
+        <a:xfrm>
+          <a:off x="0" y="0"/>
+          <a:ext cx="0" cy="0"/>
+          <a:chOff x="0" y="0"/>
+          <a:chExt cx="0" cy="0"/>
+        </a:xfrm>
+      </p:grpSpPr>
+      <p:sp>
+        <p:nvSpPr>
+          <p:cNvPr id="2" name="Title 1"/>
+          <p:cNvSpPr>
+            <a:spLocks noGrp="1"/>
+          </p:cNvSpPr>
+          <p:nvPr>
+            <p:ph type="title"/>
+          </p:nvPr>
+        </p:nvSpPr>
+        <p:spPr>
+          <a:xfrm>
+            <a:off x="457200" y="274638"/>
+            <a:ext cx="8229600" cy="825364"/>
+          </a:xfrm>
+        </p:spPr>
+        <p:txBody>
+          <a:bodyPr>
+            <a:normAutofit fontScale="90000"/>
+          </a:bodyPr>
+          <a:lstStyle/>
+          <a:p>
+            <a:r>
+              <a:rPr lang="en-US" dirty="0" smtClean="0"/>
+              <a:t>Hit-And-Miss Transform</a:t>
+            </a:r>
+            <a:br>
+              <a:rPr lang="en-US" dirty="0" smtClean="0"/>
+            </a:br>
+            <a:r>
+              <a:rPr lang="en-US" sz="1800" dirty="0" smtClean="0"/>
+              <a:t>Image 1</a:t>
+            </a:r>
+            <a:endParaRPr lang="en-US" sz="1800" dirty="0"/>
+          </a:p>
+        </p:txBody>
+      </p:sp>
+      <p:pic>
+        <p:nvPicPr>
+          <p:cNvPr id="13" name="Content Placeholder 12" descr="qrcode1.png"/>
+          <p:cNvPicPr>
+            <a:picLocks noGrp="1" noChangeAspect="1"/>
+          </p:cNvPicPr>
+          <p:nvPr>
+            <p:ph idx="1"/>
+          </p:nvPr>
+        </p:nvPicPr>
+        <p:blipFill>
+          <a:blip r:embed="rId2">
+            <a:extLst>
+              <a:ext uri="{28A0092B-C50C-407E-A947-70E740481C1C}">
+                <a14:useLocalDpi xmlns:a14="http://schemas.microsoft.com/office/drawing/2010/main" val="0"/>
+              </a:ext>
+            </a:extLst>
+          </a:blip>
+          <a:srcRect l="-40915" r="-40915"/>
+          <a:stretch>
+            <a:fillRect/>
+          </a:stretch>
+        </p:blipFill>
+        <p:spPr/>
+      </p:pic>
+    </p:spTree>
+    <p:extLst>
+      <p:ext uri="{BB962C8B-B14F-4D97-AF65-F5344CB8AC3E}">
+        <p14:creationId xmlns:p14="http://schemas.microsoft.com/office/powerpoint/2010/main" val="1903343446"/>
+      </p:ext>
+    </p:extLst>
+  </p:cSld>
+  <p:clrMapOvr>
+    <a:masterClrMapping/>
+  </p:clrMapOvr>
+</p:sld>
+</file>
+
+<file path=ppt/slides/slide7.xml><?xml version="1.0" encoding="utf-8"?>
+<p:sld xmlns:a="http://schemas.openxmlformats.org/drawingml/2006/main" xmlns:r="http://schemas.openxmlformats.org/officeDocument/2006/relationships" xmlns:p="http://schemas.openxmlformats.org/presentationml/2006/main">
+  <p:cSld>
+    <p:spTree>
+      <p:nvGrpSpPr>
+        <p:cNvPr id="1" name=""/>
+        <p:cNvGrpSpPr/>
+        <p:nvPr/>
+      </p:nvGrpSpPr>
+      <p:grpSpPr>
+        <a:xfrm>
+          <a:off x="0" y="0"/>
+          <a:ext cx="0" cy="0"/>
+          <a:chOff x="0" y="0"/>
+          <a:chExt cx="0" cy="0"/>
+        </a:xfrm>
+      </p:grpSpPr>
+      <p:sp>
+        <p:nvSpPr>
+          <p:cNvPr id="2" name="Title 1"/>
+          <p:cNvSpPr>
+            <a:spLocks noGrp="1"/>
+          </p:cNvSpPr>
+          <p:nvPr>
+            <p:ph type="title"/>
+          </p:nvPr>
+        </p:nvSpPr>
+        <p:spPr>
+          <a:xfrm>
+            <a:off x="457200" y="274638"/>
+            <a:ext cx="8229600" cy="825364"/>
+          </a:xfrm>
+        </p:spPr>
+        <p:txBody>
+          <a:bodyPr>
+            <a:normAutofit fontScale="90000"/>
+          </a:bodyPr>
+          <a:lstStyle/>
+          <a:p>
+            <a:r>
+              <a:rPr lang="en-US" dirty="0" smtClean="0"/>
+              <a:t>Hit-And-Miss Transform</a:t>
+            </a:r>
+            <a:br>
+              <a:rPr lang="en-US" dirty="0" smtClean="0"/>
+            </a:br>
+            <a:r>
+              <a:rPr lang="en-US" sz="1800" dirty="0" smtClean="0"/>
+              <a:t>Image 2</a:t>
+            </a:r>
+            <a:endParaRPr lang="en-US" sz="1800" dirty="0"/>
+          </a:p>
+        </p:txBody>
+      </p:sp>
+      <p:pic>
+        <p:nvPicPr>
+          <p:cNvPr id="11" name="Content Placeholder 10" descr="qrcode2.png"/>
+          <p:cNvPicPr>
+            <a:picLocks noGrp="1" noChangeAspect="1"/>
+          </p:cNvPicPr>
+          <p:nvPr>
+            <p:ph idx="1"/>
+          </p:nvPr>
+        </p:nvPicPr>
+        <p:blipFill>
+          <a:blip r:embed="rId2">
+            <a:extLst>
+              <a:ext uri="{28A0092B-C50C-407E-A947-70E740481C1C}">
+                <a14:useLocalDpi xmlns:a14="http://schemas.microsoft.com/office/drawing/2010/main" val="0"/>
+              </a:ext>
+            </a:extLst>
+          </a:blip>
+          <a:srcRect l="-40915" r="-40915"/>
+          <a:stretch>
+            <a:fillRect/>
+          </a:stretch>
+        </p:blipFill>
+        <p:spPr>
+          <a:xfrm>
+            <a:off x="345720" y="1705058"/>
+            <a:ext cx="8229600" cy="4525963"/>
+          </a:xfrm>
+        </p:spPr>
+      </p:pic>
+    </p:spTree>
+    <p:extLst>
+      <p:ext uri="{BB962C8B-B14F-4D97-AF65-F5344CB8AC3E}">
+        <p14:creationId xmlns:p14="http://schemas.microsoft.com/office/powerpoint/2010/main" val="557133113"/>
+      </p:ext>
+    </p:extLst>
+  </p:cSld>
+  <p:clrMapOvr>
+    <a:masterClrMapping/>
+  </p:clrMapOvr>
+</p:sld>
+</file>
+
+<file path=ppt/slides/slide8.xml><?xml version="1.0" encoding="utf-8"?>
+<p:sld xmlns:a="http://schemas.openxmlformats.org/drawingml/2006/main" xmlns:r="http://schemas.openxmlformats.org/officeDocument/2006/relationships" xmlns:p="http://schemas.openxmlformats.org/presentationml/2006/main">
+  <p:cSld>
+    <p:spTree>
+      <p:nvGrpSpPr>
+        <p:cNvPr id="1" name=""/>
+        <p:cNvGrpSpPr/>
+        <p:nvPr/>
+      </p:nvGrpSpPr>
+      <p:grpSpPr>
+        <a:xfrm>
+          <a:off x="0" y="0"/>
+          <a:ext cx="0" cy="0"/>
+          <a:chOff x="0" y="0"/>
+          <a:chExt cx="0" cy="0"/>
+        </a:xfrm>
+      </p:grpSpPr>
+      <p:sp>
+        <p:nvSpPr>
+          <p:cNvPr id="2" name="Title 1"/>
+          <p:cNvSpPr>
+            <a:spLocks noGrp="1"/>
+          </p:cNvSpPr>
+          <p:nvPr>
+            <p:ph type="title"/>
+          </p:nvPr>
+        </p:nvSpPr>
+        <p:spPr>
+          <a:xfrm>
+            <a:off x="457200" y="274638"/>
+            <a:ext cx="8229600" cy="825364"/>
+          </a:xfrm>
+        </p:spPr>
+        <p:txBody>
+          <a:bodyPr>
+            <a:normAutofit fontScale="90000"/>
+          </a:bodyPr>
+          <a:lstStyle/>
+          <a:p>
+            <a:r>
+              <a:rPr lang="en-US" dirty="0" smtClean="0"/>
+              <a:t>Hit-And-Miss Transform</a:t>
+            </a:r>
+            <a:br>
+              <a:rPr lang="en-US" dirty="0" smtClean="0"/>
+            </a:br>
+            <a:r>
+              <a:rPr lang="en-US" sz="1800" dirty="0" smtClean="0"/>
+              <a:t>Image 3</a:t>
+            </a:r>
+            <a:endParaRPr lang="en-US" sz="1800" dirty="0"/>
+          </a:p>
+        </p:txBody>
+      </p:sp>
+      <p:pic>
+        <p:nvPicPr>
+          <p:cNvPr id="4" name="Content Placeholder 3" descr="qrcode3.png"/>
+          <p:cNvPicPr>
+            <a:picLocks noGrp="1" noChangeAspect="1"/>
+          </p:cNvPicPr>
+          <p:nvPr>
+            <p:ph idx="1"/>
+          </p:nvPr>
+        </p:nvPicPr>
+        <p:blipFill>
+          <a:blip r:embed="rId2">
+            <a:extLst>
+              <a:ext uri="{28A0092B-C50C-407E-A947-70E740481C1C}">
+                <a14:useLocalDpi xmlns:a14="http://schemas.microsoft.com/office/drawing/2010/main" val="0"/>
+              </a:ext>
+            </a:extLst>
+          </a:blip>
+          <a:srcRect l="-40915" r="-40915"/>
+          <a:stretch>
+            <a:fillRect/>
+          </a:stretch>
+        </p:blipFill>
+        <p:spPr/>
+      </p:pic>
+    </p:spTree>
+    <p:extLst>
+      <p:ext uri="{BB962C8B-B14F-4D97-AF65-F5344CB8AC3E}">
+        <p14:creationId xmlns:p14="http://schemas.microsoft.com/office/powerpoint/2010/main" val="1844306510"/>
+      </p:ext>
+    </p:extLst>
+  </p:cSld>
+  <p:clrMapOvr>
+    <a:masterClrMapping/>
+  </p:clrMapOvr>
+</p:sld>
+</file>
+
+<file path=ppt/slides/slide9.xml><?xml version="1.0" encoding="utf-8"?>
+<p:sld xmlns:a="http://schemas.openxmlformats.org/drawingml/2006/main" xmlns:r="http://schemas.openxmlformats.org/officeDocument/2006/relationships" xmlns:p="http://schemas.openxmlformats.org/presentationml/2006/main">
+  <p:cSld>
+    <p:spTree>
+      <p:nvGrpSpPr>
+        <p:cNvPr id="1" name=""/>
+        <p:cNvGrpSpPr/>
+        <p:nvPr/>
+      </p:nvGrpSpPr>
+      <p:grpSpPr>
+        <a:xfrm>
+          <a:off x="0" y="0"/>
+          <a:ext cx="0" cy="0"/>
+          <a:chOff x="0" y="0"/>
+          <a:chExt cx="0" cy="0"/>
+        </a:xfrm>
+      </p:grpSpPr>
+      <p:pic>
+        <p:nvPicPr>
+          <p:cNvPr id="5" name="Content Placeholder 4" descr="lenna.png"/>
+          <p:cNvPicPr>
+            <a:picLocks noGrp="1" noChangeAspect="1"/>
+          </p:cNvPicPr>
+          <p:nvPr>
+            <p:ph idx="1"/>
+          </p:nvPr>
+        </p:nvPicPr>
+        <p:blipFill>
+          <a:blip r:embed="rId2">
+            <a:extLst>
+              <a:ext uri="{28A0092B-C50C-407E-A947-70E740481C1C}">
+                <a14:useLocalDpi xmlns:a14="http://schemas.microsoft.com/office/drawing/2010/main" val="0"/>
+              </a:ext>
+            </a:extLst>
+          </a:blip>
+          <a:srcRect l="-40915" r="-40915"/>
+          <a:stretch>
+            <a:fillRect/>
+          </a:stretch>
+        </p:blipFill>
+        <p:spPr>
+          <a:xfrm>
+            <a:off x="-1400673" y="213772"/>
+            <a:ext cx="11020899" cy="6425740"/>
+          </a:xfrm>
+        </p:spPr>
+      </p:pic>
+      <p:sp>
+        <p:nvSpPr>
+          <p:cNvPr id="7" name="TextBox 6"/>
+          <p:cNvSpPr txBox="1"/>
+          <p:nvPr/>
+        </p:nvSpPr>
+        <p:spPr>
+          <a:xfrm>
+            <a:off x="487604" y="476289"/>
+            <a:ext cx="1159167" cy="369332"/>
+          </a:xfrm>
+          <a:prstGeom prst="rect">
+            <a:avLst/>
+          </a:prstGeom>
+          <a:noFill/>
+        </p:spPr>
+        <p:txBody>
+          <a:bodyPr wrap="none" rtlCol="0">
+            <a:spAutoFit/>
+          </a:bodyPr>
+          <a:lstStyle/>
+          <a:p>
+            <a:r>
+              <a:rPr lang="en-US" dirty="0" err="1" smtClean="0"/>
+              <a:t>Lenna.png</a:t>
+            </a:r>
+            <a:endParaRPr lang="en-US" dirty="0"/>
+          </a:p>
+        </p:txBody>
+      </p:sp>
+    </p:spTree>
+    <p:extLst>
+      <p:ext uri="{BB962C8B-B14F-4D97-AF65-F5344CB8AC3E}">
+        <p14:creationId xmlns:p14="http://schemas.microsoft.com/office/powerpoint/2010/main" val="3249758666"/>
       </p:ext>
     </p:extLst>
   </p:cSld>
